--- a/src/figures/graph-independent_methods.pptx
+++ b/src/figures/graph-independent_methods.pptx
@@ -159,7 +159,9 @@
           <c:spPr>
             <a:ln w="12700" cap="rnd">
               <a:solidFill>
-                <a:schemeClr val="tx1"/>
+                <a:schemeClr val="accent1">
+                  <a:lumMod val="75000"/>
+                </a:schemeClr>
               </a:solidFill>
               <a:round/>
             </a:ln>
@@ -170,11 +172,16 @@
             <c:size val="5"/>
             <c:spPr>
               <a:solidFill>
-                <a:schemeClr val="tx1"/>
+                <a:schemeClr val="accent1">
+                  <a:lumMod val="60000"/>
+                  <a:lumOff val="40000"/>
+                </a:schemeClr>
               </a:solidFill>
               <a:ln w="12700">
                 <a:solidFill>
-                  <a:schemeClr val="tx1"/>
+                  <a:schemeClr val="accent1">
+                    <a:lumMod val="75000"/>
+                  </a:schemeClr>
                 </a:solidFill>
               </a:ln>
               <a:effectLst/>
@@ -276,9 +283,8 @@
           <c:spPr>
             <a:ln w="12700" cap="rnd">
               <a:solidFill>
-                <a:schemeClr val="tx1">
-                  <a:lumMod val="50000"/>
-                  <a:lumOff val="50000"/>
+                <a:schemeClr val="accent2">
+                  <a:lumMod val="75000"/>
                 </a:schemeClr>
               </a:solidFill>
               <a:round/>
@@ -290,16 +296,15 @@
             <c:size val="5"/>
             <c:spPr>
               <a:solidFill>
-                <a:schemeClr val="tx1">
-                  <a:lumMod val="50000"/>
-                  <a:lumOff val="50000"/>
+                <a:schemeClr val="accent2">
+                  <a:lumMod val="60000"/>
+                  <a:lumOff val="40000"/>
                 </a:schemeClr>
               </a:solidFill>
               <a:ln w="12700">
                 <a:solidFill>
-                  <a:schemeClr val="tx1">
-                    <a:lumMod val="50000"/>
-                    <a:lumOff val="50000"/>
+                  <a:schemeClr val="accent2">
+                    <a:lumMod val="75000"/>
                   </a:schemeClr>
                 </a:solidFill>
               </a:ln>
@@ -402,7 +407,9 @@
           <c:spPr>
             <a:ln w="12700" cap="rnd">
               <a:solidFill>
-                <a:schemeClr val="tx1"/>
+                <a:schemeClr val="accent4">
+                  <a:lumMod val="75000"/>
+                </a:schemeClr>
               </a:solidFill>
               <a:round/>
             </a:ln>
@@ -413,11 +420,16 @@
             <c:size val="5"/>
             <c:spPr>
               <a:solidFill>
-                <a:schemeClr val="tx1"/>
+                <a:schemeClr val="accent4">
+                  <a:lumMod val="60000"/>
+                  <a:lumOff val="40000"/>
+                </a:schemeClr>
               </a:solidFill>
               <a:ln w="12700">
                 <a:solidFill>
-                  <a:schemeClr val="tx1"/>
+                  <a:schemeClr val="accent4">
+                    <a:lumMod val="75000"/>
+                  </a:schemeClr>
                 </a:solidFill>
               </a:ln>
               <a:effectLst/>
@@ -519,9 +531,8 @@
           <c:spPr>
             <a:ln w="12700" cap="rnd">
               <a:solidFill>
-                <a:schemeClr val="tx1">
-                  <a:lumMod val="50000"/>
-                  <a:lumOff val="50000"/>
+                <a:schemeClr val="accent6">
+                  <a:lumMod val="75000"/>
                 </a:schemeClr>
               </a:solidFill>
               <a:round/>
@@ -533,16 +544,15 @@
             <c:size val="5"/>
             <c:spPr>
               <a:solidFill>
-                <a:schemeClr val="tx1">
-                  <a:lumMod val="50000"/>
-                  <a:lumOff val="50000"/>
+                <a:schemeClr val="accent6">
+                  <a:lumMod val="60000"/>
+                  <a:lumOff val="40000"/>
                 </a:schemeClr>
               </a:solidFill>
               <a:ln w="12700">
                 <a:solidFill>
-                  <a:schemeClr val="tx1">
-                    <a:lumMod val="50000"/>
-                    <a:lumOff val="50000"/>
+                  <a:schemeClr val="accent6">
+                    <a:lumMod val="75000"/>
                   </a:schemeClr>
                 </a:solidFill>
               </a:ln>
@@ -645,7 +655,7 @@
           <c:spPr>
             <a:ln w="12700" cap="rnd">
               <a:solidFill>
-                <a:schemeClr val="tx1"/>
+                <a:srgbClr val="7030A0"/>
               </a:solidFill>
               <a:round/>
             </a:ln>
@@ -656,9 +666,9 @@
             <c:size val="5"/>
             <c:spPr>
               <a:noFill/>
-              <a:ln w="19050">
+              <a:ln w="12700">
                 <a:solidFill>
-                  <a:schemeClr val="tx1"/>
+                  <a:srgbClr val="7030A0"/>
                 </a:solidFill>
               </a:ln>
               <a:effectLst/>
@@ -760,10 +770,7 @@
           <c:spPr>
             <a:ln w="12700" cap="rnd">
               <a:solidFill>
-                <a:schemeClr val="tx1">
-                  <a:lumMod val="50000"/>
-                  <a:lumOff val="50000"/>
-                </a:schemeClr>
+                <a:srgbClr val="C00000"/>
               </a:solidFill>
               <a:round/>
             </a:ln>
@@ -774,12 +781,11 @@
             <c:size val="5"/>
             <c:spPr>
               <a:noFill/>
-              <a:ln w="19050">
+              <a:ln w="12700">
                 <a:solidFill>
-                  <a:schemeClr val="tx1">
-                    <a:lumMod val="50000"/>
-                    <a:lumOff val="50000"/>
-                  </a:schemeClr>
+                  <a:srgbClr val="C00000">
+                    <a:alpha val="98000"/>
+                  </a:srgbClr>
                 </a:solidFill>
               </a:ln>
               <a:effectLst/>
@@ -892,7 +898,7 @@
             <c:size val="5"/>
             <c:spPr>
               <a:noFill/>
-              <a:ln w="19050">
+              <a:ln w="12700">
                 <a:solidFill>
                   <a:schemeClr val="tx1"/>
                 </a:solidFill>
@@ -1045,6 +1051,20 @@
         </c:scaling>
         <c:delete val="0"/>
         <c:axPos val="l"/>
+        <c:majorGridlines>
+          <c:spPr>
+            <a:ln w="9525" cap="flat" cmpd="sng" algn="ctr">
+              <a:solidFill>
+                <a:schemeClr val="tx1">
+                  <a:lumMod val="15000"/>
+                  <a:lumOff val="85000"/>
+                </a:schemeClr>
+              </a:solidFill>
+              <a:round/>
+            </a:ln>
+            <a:effectLst/>
+          </c:spPr>
+        </c:majorGridlines>
         <c:numFmt formatCode="General" sourceLinked="1"/>
         <c:majorTickMark val="in"/>
         <c:minorTickMark val="none"/>
@@ -1855,7 +1875,7 @@
           <a:p>
             <a:fld id="{084FC26D-2879-44C1-A7E8-03443A36CBFD}" type="datetimeFigureOut">
               <a:rPr kumimoji="1" lang="ja-JP" altLang="en-US" smtClean="0"/>
-              <a:t>2023/1/30</a:t>
+              <a:t>2024/2/6</a:t>
             </a:fld>
             <a:endParaRPr kumimoji="1" lang="ja-JP" altLang="en-US"/>
           </a:p>
@@ -2057,7 +2077,7 @@
           <a:p>
             <a:fld id="{084FC26D-2879-44C1-A7E8-03443A36CBFD}" type="datetimeFigureOut">
               <a:rPr kumimoji="1" lang="ja-JP" altLang="en-US" smtClean="0"/>
-              <a:t>2023/1/30</a:t>
+              <a:t>2024/2/6</a:t>
             </a:fld>
             <a:endParaRPr kumimoji="1" lang="ja-JP" altLang="en-US"/>
           </a:p>
@@ -2269,7 +2289,7 @@
           <a:p>
             <a:fld id="{084FC26D-2879-44C1-A7E8-03443A36CBFD}" type="datetimeFigureOut">
               <a:rPr kumimoji="1" lang="ja-JP" altLang="en-US" smtClean="0"/>
-              <a:t>2023/1/30</a:t>
+              <a:t>2024/2/6</a:t>
             </a:fld>
             <a:endParaRPr kumimoji="1" lang="ja-JP" altLang="en-US"/>
           </a:p>
@@ -2471,7 +2491,7 @@
           <a:p>
             <a:fld id="{084FC26D-2879-44C1-A7E8-03443A36CBFD}" type="datetimeFigureOut">
               <a:rPr kumimoji="1" lang="ja-JP" altLang="en-US" smtClean="0"/>
-              <a:t>2023/1/30</a:t>
+              <a:t>2024/2/6</a:t>
             </a:fld>
             <a:endParaRPr kumimoji="1" lang="ja-JP" altLang="en-US"/>
           </a:p>
@@ -2717,7 +2737,7 @@
           <a:p>
             <a:fld id="{084FC26D-2879-44C1-A7E8-03443A36CBFD}" type="datetimeFigureOut">
               <a:rPr kumimoji="1" lang="ja-JP" altLang="en-US" smtClean="0"/>
-              <a:t>2023/1/30</a:t>
+              <a:t>2024/2/6</a:t>
             </a:fld>
             <a:endParaRPr kumimoji="1" lang="ja-JP" altLang="en-US"/>
           </a:p>
@@ -3013,7 +3033,7 @@
           <a:p>
             <a:fld id="{084FC26D-2879-44C1-A7E8-03443A36CBFD}" type="datetimeFigureOut">
               <a:rPr kumimoji="1" lang="ja-JP" altLang="en-US" smtClean="0"/>
-              <a:t>2023/1/30</a:t>
+              <a:t>2024/2/6</a:t>
             </a:fld>
             <a:endParaRPr kumimoji="1" lang="ja-JP" altLang="en-US"/>
           </a:p>
@@ -3444,7 +3464,7 @@
           <a:p>
             <a:fld id="{084FC26D-2879-44C1-A7E8-03443A36CBFD}" type="datetimeFigureOut">
               <a:rPr kumimoji="1" lang="ja-JP" altLang="en-US" smtClean="0"/>
-              <a:t>2023/1/30</a:t>
+              <a:t>2024/2/6</a:t>
             </a:fld>
             <a:endParaRPr kumimoji="1" lang="ja-JP" altLang="en-US"/>
           </a:p>
@@ -3562,7 +3582,7 @@
           <a:p>
             <a:fld id="{084FC26D-2879-44C1-A7E8-03443A36CBFD}" type="datetimeFigureOut">
               <a:rPr kumimoji="1" lang="ja-JP" altLang="en-US" smtClean="0"/>
-              <a:t>2023/1/30</a:t>
+              <a:t>2024/2/6</a:t>
             </a:fld>
             <a:endParaRPr kumimoji="1" lang="ja-JP" altLang="en-US"/>
           </a:p>
@@ -3657,7 +3677,7 @@
           <a:p>
             <a:fld id="{084FC26D-2879-44C1-A7E8-03443A36CBFD}" type="datetimeFigureOut">
               <a:rPr kumimoji="1" lang="ja-JP" altLang="en-US" smtClean="0"/>
-              <a:t>2023/1/30</a:t>
+              <a:t>2024/2/6</a:t>
             </a:fld>
             <a:endParaRPr kumimoji="1" lang="ja-JP" altLang="en-US"/>
           </a:p>
@@ -3966,7 +3986,7 @@
           <a:p>
             <a:fld id="{084FC26D-2879-44C1-A7E8-03443A36CBFD}" type="datetimeFigureOut">
               <a:rPr kumimoji="1" lang="ja-JP" altLang="en-US" smtClean="0"/>
-              <a:t>2023/1/30</a:t>
+              <a:t>2024/2/6</a:t>
             </a:fld>
             <a:endParaRPr kumimoji="1" lang="ja-JP" altLang="en-US"/>
           </a:p>
@@ -4223,7 +4243,7 @@
           <a:p>
             <a:fld id="{084FC26D-2879-44C1-A7E8-03443A36CBFD}" type="datetimeFigureOut">
               <a:rPr kumimoji="1" lang="ja-JP" altLang="en-US" smtClean="0"/>
-              <a:t>2023/1/30</a:t>
+              <a:t>2024/2/6</a:t>
             </a:fld>
             <a:endParaRPr kumimoji="1" lang="ja-JP" altLang="en-US"/>
           </a:p>
@@ -4468,7 +4488,7 @@
           <a:p>
             <a:fld id="{084FC26D-2879-44C1-A7E8-03443A36CBFD}" type="datetimeFigureOut">
               <a:rPr kumimoji="1" lang="ja-JP" altLang="en-US" smtClean="0"/>
-              <a:t>2023/1/30</a:t>
+              <a:t>2024/2/6</a:t>
             </a:fld>
             <a:endParaRPr kumimoji="1" lang="ja-JP" altLang="en-US"/>
           </a:p>
@@ -4893,50 +4913,6 @@
             <a:chExt cx="2960930" cy="1495210"/>
           </a:xfrm>
         </p:grpSpPr>
-        <p:cxnSp>
-          <p:nvCxnSpPr>
-            <p:cNvPr id="16" name="直線コネクタ 15">
-              <a:extLst>
-                <a:ext uri="{FF2B5EF4-FFF2-40B4-BE49-F238E27FC236}">
-                  <a16:creationId xmlns:a16="http://schemas.microsoft.com/office/drawing/2014/main" id="{DCBC47AD-2D4C-6FE8-B309-662ECA8B62A6}"/>
-                </a:ext>
-              </a:extLst>
-            </p:cNvPr>
-            <p:cNvCxnSpPr>
-              <a:cxnSpLocks/>
-            </p:cNvCxnSpPr>
-            <p:nvPr/>
-          </p:nvCxnSpPr>
-          <p:spPr>
-            <a:xfrm>
-              <a:off x="1290485" y="50630"/>
-              <a:ext cx="0" cy="1112911"/>
-            </a:xfrm>
-            <a:prstGeom prst="line">
-              <a:avLst/>
-            </a:prstGeom>
-            <a:ln w="9525">
-              <a:solidFill>
-                <a:schemeClr val="tx1"/>
-              </a:solidFill>
-              <a:prstDash val="sysDot"/>
-            </a:ln>
-          </p:spPr>
-          <p:style>
-            <a:lnRef idx="1">
-              <a:schemeClr val="accent1"/>
-            </a:lnRef>
-            <a:fillRef idx="0">
-              <a:schemeClr val="accent1"/>
-            </a:fillRef>
-            <a:effectRef idx="0">
-              <a:schemeClr val="accent1"/>
-            </a:effectRef>
-            <a:fontRef idx="minor">
-              <a:schemeClr val="tx1"/>
-            </a:fontRef>
-          </p:style>
-        </p:cxnSp>
         <p:graphicFrame>
           <p:nvGraphicFramePr>
             <p:cNvPr id="13" name="グラフ 12">
@@ -4950,7 +4926,7 @@
             <p:nvPr>
               <p:extLst>
                 <p:ext uri="{D42A27DB-BD31-4B8C-83A1-F6EECF244321}">
-                  <p14:modId xmlns:p14="http://schemas.microsoft.com/office/powerpoint/2010/main" val="2021616341"/>
+                  <p14:modId xmlns:p14="http://schemas.microsoft.com/office/powerpoint/2010/main" val="796880439"/>
                 </p:ext>
               </p:extLst>
             </p:nvPr>
@@ -5063,47 +5039,6 @@
             </a:p>
           </p:txBody>
         </p:sp>
-        <p:sp>
-          <p:nvSpPr>
-            <p:cNvPr id="17" name="テキスト ボックス 16">
-              <a:extLst>
-                <a:ext uri="{FF2B5EF4-FFF2-40B4-BE49-F238E27FC236}">
-                  <a16:creationId xmlns:a16="http://schemas.microsoft.com/office/drawing/2014/main" id="{868E4D30-E53E-1EFA-F090-476C4782C390}"/>
-                </a:ext>
-              </a:extLst>
-            </p:cNvPr>
-            <p:cNvSpPr txBox="1"/>
-            <p:nvPr/>
-          </p:nvSpPr>
-          <p:spPr>
-            <a:xfrm>
-              <a:off x="1313812" y="53836"/>
-              <a:ext cx="186416" cy="123111"/>
-            </a:xfrm>
-            <a:prstGeom prst="rect">
-              <a:avLst/>
-            </a:prstGeom>
-            <a:noFill/>
-          </p:spPr>
-          <p:txBody>
-            <a:bodyPr wrap="square" lIns="0" tIns="0" rIns="0" bIns="0" rtlCol="0">
-              <a:spAutoFit/>
-            </a:bodyPr>
-            <a:lstStyle/>
-            <a:p>
-              <a:r>
-                <a:rPr kumimoji="1" lang="en-US" altLang="ja-JP" sz="800" dirty="0">
-                  <a:latin typeface="Cambria Math" panose="02040503050406030204" pitchFamily="18" charset="0"/>
-                  <a:ea typeface="Cambria Math" panose="02040503050406030204" pitchFamily="18" charset="0"/>
-                </a:rPr>
-                <a:t>HT</a:t>
-              </a:r>
-              <a:endParaRPr kumimoji="1" lang="ja-JP" altLang="en-US" sz="800" dirty="0">
-                <a:latin typeface="Cambria Math" panose="02040503050406030204" pitchFamily="18" charset="0"/>
-              </a:endParaRPr>
-            </a:p>
-          </p:txBody>
-        </p:sp>
       </p:grpSp>
     </p:spTree>
     <p:extLst>
@@ -5121,7 +5056,7 @@
 <file path=ppt/theme/theme1.xml><?xml version="1.0" encoding="utf-8"?>
 <a:theme xmlns:a="http://schemas.openxmlformats.org/drawingml/2006/main" name="Office テーマ">
   <a:themeElements>
-    <a:clrScheme name="Office テーマ">
+    <a:clrScheme name="MyColor">
       <a:dk1>
         <a:sysClr val="windowText" lastClr="000000"/>
       </a:dk1>
@@ -5135,19 +5070,19 @@
         <a:srgbClr val="E7E6E6"/>
       </a:lt2>
       <a:accent1>
-        <a:srgbClr val="4472C4"/>
+        <a:srgbClr val="458DCF"/>
       </a:accent1>
       <a:accent2>
-        <a:srgbClr val="ED7D31"/>
+        <a:srgbClr val="E66914"/>
       </a:accent2>
       <a:accent3>
         <a:srgbClr val="A5A5A5"/>
       </a:accent3>
       <a:accent4>
-        <a:srgbClr val="FFC000"/>
+        <a:srgbClr val="F6BB00"/>
       </a:accent4>
       <a:accent5>
-        <a:srgbClr val="5B9BD5"/>
+        <a:srgbClr val="4472C4"/>
       </a:accent5>
       <a:accent6>
         <a:srgbClr val="70AD47"/>
@@ -5156,7 +5091,7 @@
         <a:srgbClr val="0563C1"/>
       </a:hlink>
       <a:folHlink>
-        <a:srgbClr val="954F72"/>
+        <a:srgbClr val="0563C1"/>
       </a:folHlink>
     </a:clrScheme>
     <a:fontScheme name="Office テーマ">
